--- a/tippmix.pptx
+++ b/tippmix.pptx
@@ -3607,7 +3607,35 @@
                 <a:latin typeface="Times New Roman" panose="02020603050405020304" pitchFamily="18" charset="0"/>
                 <a:cs typeface="Times New Roman" panose="02020603050405020304" pitchFamily="18" charset="0"/>
               </a:rPr>
-              <a:t>Meccskeresés (név, dátum alapján)</a:t>
+              <a:t>Meccskeresés (név, dátum, magas </a:t>
+            </a:r>
+            <a:r>
+              <a:rPr lang="hu-HU" dirty="0" err="1">
+                <a:latin typeface="Times New Roman" panose="02020603050405020304" pitchFamily="18" charset="0"/>
+                <a:cs typeface="Times New Roman" panose="02020603050405020304" pitchFamily="18" charset="0"/>
+              </a:rPr>
+              <a:t>oddsok</a:t>
+            </a:r>
+            <a:r>
+              <a:rPr lang="hu-HU" dirty="0">
+                <a:latin typeface="Times New Roman" panose="02020603050405020304" pitchFamily="18" charset="0"/>
+                <a:cs typeface="Times New Roman" panose="02020603050405020304" pitchFamily="18" charset="0"/>
+              </a:rPr>
+              <a:t>, alacsony </a:t>
+            </a:r>
+            <a:r>
+              <a:rPr lang="hu-HU" dirty="0" err="1">
+                <a:latin typeface="Times New Roman" panose="02020603050405020304" pitchFamily="18" charset="0"/>
+                <a:cs typeface="Times New Roman" panose="02020603050405020304" pitchFamily="18" charset="0"/>
+              </a:rPr>
+              <a:t>oddsok</a:t>
+            </a:r>
+            <a:r>
+              <a:rPr lang="hu-HU" dirty="0">
+                <a:latin typeface="Times New Roman" panose="02020603050405020304" pitchFamily="18" charset="0"/>
+                <a:cs typeface="Times New Roman" panose="02020603050405020304" pitchFamily="18" charset="0"/>
+              </a:rPr>
+              <a:t> alapján)</a:t>
             </a:r>
           </a:p>
         </p:txBody>
